--- a/aulas/10-branch-and-bound/slides.pptx
+++ b/aulas/10-branch-and-bound/slides.pptx
@@ -12808,7 +12808,7 @@
                 <a:latin typeface="Verdana"/>
                 <a:ea typeface="Verdana"/>
               </a:rPr>
-              <a:t>Aula 10– Branch and bound</a:t>
+              <a:t>Aula 10 – Branch and bound</a:t>
             </a:r>
             <a:endParaRPr lang="pt-BR" sz="2000" b="0" strike="noStrike" spc="0">
               <a:latin typeface="Arial"/>
